--- a/CellLora/CellLora.pptx
+++ b/CellLora/CellLora.pptx
@@ -2982,6 +2982,279 @@
           <a:chExt cx="0" cy="0"/>
         </a:xfrm>
       </p:grpSpPr>
+      <p:sp>
+        <p:nvSpPr>
+          <p:cNvPr id="810" name="TextBox 809">
+            <a:extLst>
+              <a:ext uri="{FF2B5EF4-FFF2-40B4-BE49-F238E27FC236}">
+                <a16:creationId xmlns:a16="http://schemas.microsoft.com/office/drawing/2014/main" id="{73C1937F-262A-15F8-B16D-97D9AE30413E}"/>
+              </a:ext>
+            </a:extLst>
+          </p:cNvPr>
+          <p:cNvSpPr txBox="1"/>
+          <p:nvPr/>
+        </p:nvSpPr>
+        <p:spPr>
+          <a:xfrm>
+            <a:off x="5400000" y="540000"/>
+            <a:ext cx="4320000" cy="5170646"/>
+          </a:xfrm>
+          <a:prstGeom prst="rect">
+            <a:avLst/>
+          </a:prstGeom>
+          <a:noFill/>
+        </p:spPr>
+        <p:txBody>
+          <a:bodyPr wrap="square" lIns="72000" rIns="72000" rtlCol="0">
+            <a:spAutoFit/>
+          </a:bodyPr>
+          <a:lstStyle/>
+          <a:p>
+            <a:pPr marL="228600" indent="-228600">
+              <a:buAutoNum type="arabicPeriod"/>
+            </a:pPr>
+            <a:r>
+              <a:rPr lang="en-US" altLang="ko-KR" sz="1100" dirty="0"/>
+              <a:t>Buck module: remove pins, solder only 5V pin. Place on PCB, fold 5V pin toward C and solder there</a:t>
+            </a:r>
+          </a:p>
+          <a:p>
+            <a:pPr marL="228600" indent="-228600">
+              <a:buFontTx/>
+              <a:buAutoNum type="arabicPeriod"/>
+            </a:pPr>
+            <a:r>
+              <a:rPr lang="en-US" altLang="ko-KR" sz="1100" dirty="0"/>
+              <a:t>Red wire upside through W and I, fold toward V and J respectively</a:t>
+            </a:r>
+          </a:p>
+          <a:p>
+            <a:pPr marL="228600" indent="-228600">
+              <a:buFontTx/>
+              <a:buAutoNum type="arabicPeriod"/>
+            </a:pPr>
+            <a:r>
+              <a:rPr lang="en-US" altLang="ko-KR" sz="1100" dirty="0"/>
+              <a:t>Solder Boost. Fold pins Vo-H, GND-N and Vi-E</a:t>
+            </a:r>
+          </a:p>
+          <a:p>
+            <a:pPr marL="228600" indent="-228600">
+              <a:buFontTx/>
+              <a:buAutoNum type="arabicPeriod"/>
+            </a:pPr>
+            <a:r>
+              <a:rPr lang="en-US" altLang="ko-KR" sz="1100" dirty="0"/>
+              <a:t>Red wire runs underside from H to J-I</a:t>
+            </a:r>
+          </a:p>
+          <a:p>
+            <a:pPr marL="228600" indent="-228600">
+              <a:buFontTx/>
+              <a:buAutoNum type="arabicPeriod"/>
+            </a:pPr>
+            <a:r>
+              <a:rPr lang="en-US" altLang="ko-KR" sz="1100" dirty="0"/>
+              <a:t>Boost Vo over module red wire to R pass-through</a:t>
+            </a:r>
+          </a:p>
+          <a:p>
+            <a:pPr marL="228600" indent="-228600">
+              <a:buFontTx/>
+              <a:buAutoNum type="arabicPeriod"/>
+            </a:pPr>
+            <a:r>
+              <a:rPr lang="en-US" altLang="ko-KR" sz="1100" dirty="0"/>
+              <a:t>Solder 10K underside through S and back through O. A dangles</a:t>
+            </a:r>
+          </a:p>
+          <a:p>
+            <a:pPr marL="228600" indent="-228600">
+              <a:buFontTx/>
+              <a:buAutoNum type="arabicPeriod"/>
+            </a:pPr>
+            <a:r>
+              <a:rPr lang="en-US" altLang="ko-KR" sz="1100" dirty="0"/>
+              <a:t>Prepare C3:</a:t>
+            </a:r>
+          </a:p>
+          <a:p>
+            <a:pPr marL="360000" lvl="1" indent="-171450">
+              <a:buFont typeface="Arial" panose="020B0604020202020204" pitchFamily="34" charset="0"/>
+              <a:buChar char="•"/>
+            </a:pPr>
+            <a:r>
+              <a:rPr lang="en-US" altLang="ko-KR" sz="1100" dirty="0"/>
+              <a:t>Solder all pins except G, T, A</a:t>
+            </a:r>
+          </a:p>
+          <a:p>
+            <a:pPr marL="360000" lvl="1" indent="-171450">
+              <a:buFont typeface="Arial" panose="020B0604020202020204" pitchFamily="34" charset="0"/>
+              <a:buChar char="•"/>
+            </a:pPr>
+            <a:r>
+              <a:rPr lang="en-US" altLang="ko-KR" sz="1100" dirty="0"/>
+              <a:t>Yellow core pins point up (incl. O), soldered underside. Violet pins must have enough length underside to solder to PCB for support</a:t>
+            </a:r>
+          </a:p>
+          <a:p>
+            <a:pPr marL="360000" lvl="1" indent="-171450">
+              <a:buFont typeface="Arial" panose="020B0604020202020204" pitchFamily="34" charset="0"/>
+              <a:buChar char="•"/>
+            </a:pPr>
+            <a:r>
+              <a:rPr lang="en-US" altLang="ko-KR" sz="1100" dirty="0"/>
+              <a:t>Remove bottom spacers. Keep upper spacers</a:t>
+            </a:r>
+          </a:p>
+          <a:p>
+            <a:pPr marL="228600" indent="-228600">
+              <a:buFontTx/>
+              <a:buAutoNum type="arabicPeriod"/>
+            </a:pPr>
+            <a:r>
+              <a:rPr lang="en-US" altLang="ko-KR" sz="1100" dirty="0"/>
+              <a:t>Place C3, fold pins V-W and solder all including upper-pointing pins</a:t>
+            </a:r>
+          </a:p>
+          <a:p>
+            <a:pPr marL="228600" indent="-228600">
+              <a:buFontTx/>
+              <a:buAutoNum type="arabicPeriod"/>
+            </a:pPr>
+            <a:r>
+              <a:rPr lang="en-US" altLang="ko-KR" sz="1100" dirty="0"/>
+              <a:t>Solder 10K’s A leg up to C3. Ensure S-O is linked between PCB and C3</a:t>
+            </a:r>
+          </a:p>
+          <a:p>
+            <a:pPr marL="228600" indent="-228600">
+              <a:buFontTx/>
+              <a:buAutoNum type="arabicPeriod"/>
+            </a:pPr>
+            <a:r>
+              <a:rPr lang="en-US" altLang="ko-KR" sz="1100" dirty="0"/>
+              <a:t>Braid together 1 strand each of black and wrapper wires, solder through T from underside up to C3</a:t>
+            </a:r>
+          </a:p>
+          <a:p>
+            <a:pPr marL="228600" indent="-228600">
+              <a:buFontTx/>
+              <a:buAutoNum type="arabicPeriod"/>
+            </a:pPr>
+            <a:r>
+              <a:rPr lang="en-US" altLang="ko-KR" sz="1100" dirty="0"/>
+              <a:t>Solder 100K topside, through B and A (</a:t>
+            </a:r>
+            <a:r>
+              <a:rPr lang="en-US" altLang="ko-KR" sz="1100" dirty="0" err="1"/>
+              <a:t>castillation</a:t>
+            </a:r>
+            <a:r>
+              <a:rPr lang="en-US" altLang="ko-KR" sz="1100" dirty="0"/>
+              <a:t>)</a:t>
+            </a:r>
+          </a:p>
+          <a:p>
+            <a:pPr marL="228600" indent="-228600">
+              <a:buFontTx/>
+              <a:buAutoNum type="arabicPeriod"/>
+            </a:pPr>
+            <a:r>
+              <a:rPr lang="en-US" altLang="ko-KR" sz="1100" dirty="0"/>
+              <a:t>Solder transistor underside at D, G (up to C3), S</a:t>
+            </a:r>
+          </a:p>
+          <a:p>
+            <a:pPr marL="228600" indent="-228600">
+              <a:buFontTx/>
+              <a:buAutoNum type="arabicPeriod"/>
+            </a:pPr>
+            <a:r>
+              <a:rPr lang="en-US" altLang="ko-KR" sz="1100" dirty="0"/>
+              <a:t>Place AHT10 on PCB and insert 4-pin header from underneath. Solder from upside, then remove spacers. Wrap wires underside with C3.</a:t>
+            </a:r>
+          </a:p>
+          <a:p>
+            <a:pPr marL="228600" indent="-228600">
+              <a:buFontTx/>
+              <a:buAutoNum type="arabicPeriod"/>
+            </a:pPr>
+            <a:r>
+              <a:rPr lang="en-US" altLang="ko-KR" sz="1100" dirty="0"/>
+              <a:t>Solder battery wires from B and T underside peeking up and toward connector legs (L, M). Blue wire to Boost Vi underside via B.</a:t>
+            </a:r>
+          </a:p>
+          <a:p>
+            <a:pPr marL="228600" indent="-228600">
+              <a:buFontTx/>
+              <a:buAutoNum type="arabicPeriod"/>
+            </a:pPr>
+            <a:r>
+              <a:rPr lang="en-US" altLang="ko-KR" sz="1100" dirty="0"/>
+              <a:t>Place battery connector, fold pins and solder.</a:t>
+            </a:r>
+          </a:p>
+          <a:p>
+            <a:pPr marL="228600" indent="-228600">
+              <a:buFontTx/>
+              <a:buAutoNum type="arabicPeriod"/>
+            </a:pPr>
+            <a:r>
+              <a:rPr lang="en-US" altLang="ko-KR" sz="1100" dirty="0"/>
+              <a:t>Black wire from M to N is topside, at N fold toward O-S and solder</a:t>
+            </a:r>
+          </a:p>
+          <a:p>
+            <a:pPr marL="228600" indent="-228600">
+              <a:buFontTx/>
+              <a:buAutoNum type="arabicPeriod"/>
+            </a:pPr>
+            <a:r>
+              <a:rPr lang="en-US" altLang="ko-KR" sz="1100" dirty="0"/>
+              <a:t>Relay: clip NC pin and solder underside C, R, I, D</a:t>
+            </a:r>
+          </a:p>
+          <a:p>
+            <a:pPr marL="228600" indent="-228600">
+              <a:buFontTx/>
+              <a:buAutoNum type="arabicPeriod"/>
+            </a:pPr>
+            <a:r>
+              <a:rPr lang="en-US" altLang="ko-KR" sz="1100" dirty="0"/>
+              <a:t>Glue-gun Relay to PCB</a:t>
+            </a:r>
+          </a:p>
+          <a:p>
+            <a:pPr marL="228600" indent="-228600">
+              <a:buAutoNum type="arabicPeriod"/>
+            </a:pPr>
+            <a:r>
+              <a:rPr lang="en-US" altLang="ko-KR" sz="1100" dirty="0"/>
+              <a:t>Populate LoRa pins except VCC and GND. DIO is NC. Yellow core pins point up, so headers are inserted from above and soldered underside</a:t>
+            </a:r>
+          </a:p>
+          <a:p>
+            <a:pPr marL="228600" indent="-228600">
+              <a:buAutoNum type="arabicPeriod"/>
+            </a:pPr>
+            <a:r>
+              <a:rPr lang="en-US" altLang="ko-KR" sz="1100" dirty="0"/>
+              <a:t>LoRa VCC and GND are pass-through from underside to Buck module</a:t>
+            </a:r>
+          </a:p>
+          <a:p>
+            <a:pPr marL="228600" indent="-228600">
+              <a:buAutoNum type="arabicPeriod"/>
+            </a:pPr>
+            <a:r>
+              <a:rPr lang="en-US" altLang="ko-KR" sz="1100" dirty="0"/>
+              <a:t>Wrap SPI wires topside between LoRa and C3</a:t>
+            </a:r>
+          </a:p>
+        </p:txBody>
+      </p:sp>
       <p:grpSp>
         <p:nvGrpSpPr>
           <p:cNvPr id="545" name="그룹 544">
@@ -2996,7 +3269,7 @@
         </p:nvGrpSpPr>
         <p:grpSpPr>
           <a:xfrm>
-            <a:off x="720000" y="2161334"/>
+            <a:off x="360000" y="1441333"/>
             <a:ext cx="4320000" cy="2880000"/>
             <a:chOff x="3600000" y="3600000"/>
             <a:chExt cx="4320000" cy="2880000"/>
@@ -18472,7 +18745,7 @@
         </p:nvGrpSpPr>
         <p:grpSpPr>
           <a:xfrm>
-            <a:off x="3348000" y="2196000"/>
+            <a:off x="2988000" y="1475999"/>
             <a:ext cx="1332000" cy="1620000"/>
             <a:chOff x="3348000" y="2196000"/>
             <a:chExt cx="1332000" cy="1620000"/>
@@ -18548,7 +18821,7 @@
           </p:nvSpPr>
           <p:spPr>
             <a:xfrm flipH="1">
-              <a:off x="3420000" y="2880000"/>
+              <a:off x="3420000" y="2880001"/>
               <a:ext cx="108000" cy="108000"/>
             </a:xfrm>
             <a:prstGeom prst="ellipse">
@@ -18559,31 +18832,40 @@
             </a:solidFill>
             <a:ln w="25400">
               <a:solidFill>
-                <a:srgbClr val="CC00FF"/>
-              </a:solidFill>
-            </a:ln>
-          </p:spPr>
-          <p:style>
-            <a:lnRef idx="2">
-              <a:schemeClr val="accent1">
-                <a:shade val="15000"/>
-              </a:schemeClr>
-            </a:lnRef>
-            <a:fillRef idx="1">
-              <a:schemeClr val="accent1"/>
-            </a:fillRef>
-            <a:effectRef idx="0">
-              <a:schemeClr val="accent1"/>
-            </a:effectRef>
-            <a:fontRef idx="minor">
-              <a:schemeClr val="lt1"/>
-            </a:fontRef>
-          </p:style>
-          <p:txBody>
-            <a:bodyPr rtlCol="0" anchor="ctr"/>
-            <a:lstStyle/>
-            <a:p>
-              <a:pPr algn="ctr"/>
+                <a:schemeClr val="tx1"/>
+              </a:solidFill>
+            </a:ln>
+          </p:spPr>
+          <p:style>
+            <a:lnRef idx="2">
+              <a:schemeClr val="accent1">
+                <a:shade val="15000"/>
+              </a:schemeClr>
+            </a:lnRef>
+            <a:fillRef idx="1">
+              <a:schemeClr val="accent1"/>
+            </a:fillRef>
+            <a:effectRef idx="0">
+              <a:schemeClr val="accent1"/>
+            </a:effectRef>
+            <a:fontRef idx="minor">
+              <a:schemeClr val="lt1"/>
+            </a:fontRef>
+          </p:style>
+          <p:txBody>
+            <a:bodyPr rtlCol="0" anchor="ctr"/>
+            <a:lstStyle/>
+            <a:p>
+              <a:pPr algn="ctr"/>
+              <a:r>
+                <a:rPr lang="fr-FR" altLang="ko-KR" sz="601" b="1" dirty="0">
+                  <a:solidFill>
+                    <a:schemeClr val="tx1"/>
+                  </a:solidFill>
+                  <a:latin typeface="Cambria" panose="02040503050406030204" pitchFamily="18" charset="0"/>
+                </a:rPr>
+                <a:t>O</a:t>
+              </a:r>
               <a:endParaRPr lang="ko-KR" altLang="en-US" sz="601" b="1" dirty="0">
                 <a:solidFill>
                   <a:schemeClr val="tx1"/>
@@ -19430,11 +19712,14 @@
               <a:avLst/>
             </a:prstGeom>
             <a:solidFill>
-              <a:srgbClr val="FFFF00"/>
+              <a:schemeClr val="bg1"/>
             </a:solidFill>
             <a:ln w="25400">
               <a:solidFill>
-                <a:schemeClr val="tx1"/>
+                <a:schemeClr val="tx1">
+                  <a:lumMod val="50000"/>
+                  <a:lumOff val="50000"/>
+                </a:schemeClr>
               </a:solidFill>
             </a:ln>
           </p:spPr>
@@ -19459,15 +19744,6 @@
             <a:lstStyle/>
             <a:p>
               <a:pPr algn="ctr"/>
-              <a:r>
-                <a:rPr lang="fr-FR" altLang="ko-KR" sz="601" b="1" dirty="0">
-                  <a:solidFill>
-                    <a:schemeClr val="tx1"/>
-                  </a:solidFill>
-                  <a:latin typeface="Cambria" panose="02040503050406030204" pitchFamily="18" charset="0"/>
-                </a:rPr>
-                <a:t>O</a:t>
-              </a:r>
               <a:endParaRPr lang="ko-KR" altLang="en-US" sz="601" b="1" dirty="0">
                 <a:solidFill>
                   <a:schemeClr val="tx1"/>
@@ -19546,75 +19822,6 @@
             </a:p>
           </p:txBody>
         </p:sp>
-        <p:sp>
-          <p:nvSpPr>
-            <p:cNvPr id="317" name="타원 316">
-              <a:extLst>
-                <a:ext uri="{FF2B5EF4-FFF2-40B4-BE49-F238E27FC236}">
-                  <a16:creationId xmlns:a16="http://schemas.microsoft.com/office/drawing/2014/main" id="{AA1BE86C-4064-D36B-D02B-983B96C6E83A}"/>
-                </a:ext>
-              </a:extLst>
-            </p:cNvPr>
-            <p:cNvSpPr/>
-            <p:nvPr/>
-          </p:nvSpPr>
-          <p:spPr>
-            <a:xfrm flipH="1">
-              <a:off x="4320000" y="2520000"/>
-              <a:ext cx="108000" cy="108000"/>
-            </a:xfrm>
-            <a:prstGeom prst="ellipse">
-              <a:avLst/>
-            </a:prstGeom>
-            <a:solidFill>
-              <a:schemeClr val="bg1"/>
-            </a:solidFill>
-            <a:ln w="25400">
-              <a:solidFill>
-                <a:schemeClr val="tx1"/>
-              </a:solidFill>
-            </a:ln>
-          </p:spPr>
-          <p:style>
-            <a:lnRef idx="2">
-              <a:schemeClr val="accent1">
-                <a:shade val="15000"/>
-              </a:schemeClr>
-            </a:lnRef>
-            <a:fillRef idx="1">
-              <a:schemeClr val="accent1"/>
-            </a:fillRef>
-            <a:effectRef idx="0">
-              <a:schemeClr val="accent1"/>
-            </a:effectRef>
-            <a:fontRef idx="minor">
-              <a:schemeClr val="lt1"/>
-            </a:fontRef>
-          </p:style>
-          <p:txBody>
-            <a:bodyPr rtlCol="0" anchor="ctr"/>
-            <a:lstStyle/>
-            <a:p>
-              <a:pPr algn="ctr"/>
-              <a:r>
-                <a:rPr lang="fr-FR" altLang="ko-KR" sz="600" b="1" dirty="0">
-                  <a:solidFill>
-                    <a:schemeClr val="tx1"/>
-                  </a:solidFill>
-                  <a:latin typeface="Cambria" panose="02040503050406030204" pitchFamily="18" charset="0"/>
-                  <a:ea typeface="Cambria" panose="02040503050406030204" pitchFamily="18" charset="0"/>
-                </a:rPr>
-                <a:t>Y</a:t>
-              </a:r>
-              <a:endParaRPr lang="ko-KR" altLang="en-US" sz="600" b="1" dirty="0">
-                <a:solidFill>
-                  <a:schemeClr val="tx1"/>
-                </a:solidFill>
-                <a:latin typeface="Cambria" panose="02040503050406030204" pitchFamily="18" charset="0"/>
-              </a:endParaRPr>
-            </a:p>
-          </p:txBody>
-        </p:sp>
       </p:grpSp>
       <p:grpSp>
         <p:nvGrpSpPr>
@@ -19630,7 +19837,7 @@
         </p:nvGrpSpPr>
         <p:grpSpPr>
           <a:xfrm>
-            <a:off x="1368000" y="2232000"/>
+            <a:off x="1008000" y="1511999"/>
             <a:ext cx="936000" cy="684000"/>
             <a:chOff x="1369761" y="2223713"/>
             <a:chExt cx="936000" cy="684000"/>
@@ -19877,60 +20084,15 @@
           </p:cNvPr>
           <p:cNvCxnSpPr>
             <a:cxnSpLocks/>
-            <a:stCxn id="6" idx="2"/>
-            <a:endCxn id="10" idx="6"/>
-          </p:cNvCxnSpPr>
-          <p:nvPr/>
-        </p:nvCxnSpPr>
-        <p:spPr>
-          <a:xfrm rot="5400000" flipH="1" flipV="1">
-            <a:off x="2484000" y="3024000"/>
-            <a:ext cx="1026000" cy="846000"/>
-          </a:xfrm>
-          <a:prstGeom prst="curvedConnector2">
-            <a:avLst/>
-          </a:prstGeom>
-          <a:ln w="15875">
-            <a:solidFill>
-              <a:srgbClr val="CC00FF"/>
-            </a:solidFill>
-          </a:ln>
-        </p:spPr>
-        <p:style>
-          <a:lnRef idx="1">
-            <a:schemeClr val="accent1"/>
-          </a:lnRef>
-          <a:fillRef idx="0">
-            <a:schemeClr val="accent1"/>
-          </a:fillRef>
-          <a:effectRef idx="0">
-            <a:schemeClr val="accent1"/>
-          </a:effectRef>
-          <a:fontRef idx="minor">
-            <a:schemeClr val="tx1"/>
-          </a:fontRef>
-        </p:style>
-      </p:cxnSp>
-      <p:cxnSp>
-        <p:nvCxnSpPr>
-          <p:cNvPr id="708" name="연결선: 구부러짐 707">
-            <a:extLst>
-              <a:ext uri="{FF2B5EF4-FFF2-40B4-BE49-F238E27FC236}">
-                <a16:creationId xmlns:a16="http://schemas.microsoft.com/office/drawing/2014/main" id="{136974D3-600A-EB81-1525-B6202E1A5153}"/>
-              </a:ext>
-            </a:extLst>
-          </p:cNvPr>
-          <p:cNvCxnSpPr>
-            <a:cxnSpLocks/>
-            <a:stCxn id="28" idx="2"/>
+            <a:stCxn id="33" idx="2"/>
             <a:endCxn id="54" idx="6"/>
           </p:cNvCxnSpPr>
           <p:nvPr/>
         </p:nvCxnSpPr>
         <p:spPr>
           <a:xfrm rot="5400000" flipH="1" flipV="1">
-            <a:off x="2124000" y="2664000"/>
-            <a:ext cx="1566000" cy="1026000"/>
+            <a:off x="1674000" y="2033999"/>
+            <a:ext cx="1746000" cy="1026000"/>
           </a:xfrm>
           <a:prstGeom prst="curvedConnector2">
             <a:avLst/>
@@ -19967,15 +20129,15 @@
           </p:cNvPr>
           <p:cNvCxnSpPr>
             <a:cxnSpLocks/>
-            <a:stCxn id="13" idx="2"/>
-            <a:endCxn id="56" idx="6"/>
+            <a:stCxn id="6" idx="2"/>
+            <a:endCxn id="60" idx="6"/>
           </p:cNvCxnSpPr>
           <p:nvPr/>
         </p:nvCxnSpPr>
         <p:spPr>
           <a:xfrm rot="5400000" flipH="1" flipV="1">
-            <a:off x="2484000" y="3204000"/>
-            <a:ext cx="1026000" cy="846000"/>
+            <a:off x="2034000" y="2213999"/>
+            <a:ext cx="1206000" cy="846000"/>
           </a:xfrm>
           <a:prstGeom prst="curvedConnector2">
             <a:avLst/>
@@ -20012,15 +20174,15 @@
           </p:cNvPr>
           <p:cNvCxnSpPr>
             <a:cxnSpLocks/>
-            <a:stCxn id="33" idx="2"/>
+            <a:stCxn id="36" idx="2"/>
             <a:endCxn id="61" idx="6"/>
           </p:cNvCxnSpPr>
           <p:nvPr/>
         </p:nvCxnSpPr>
         <p:spPr>
           <a:xfrm rot="5400000" flipH="1" flipV="1">
-            <a:off x="2124000" y="2844000"/>
-            <a:ext cx="1566000" cy="1026000"/>
+            <a:off x="1674000" y="2213999"/>
+            <a:ext cx="1746000" cy="1026000"/>
           </a:xfrm>
           <a:prstGeom prst="curvedConnector2">
             <a:avLst/>
@@ -20064,7 +20226,7 @@
         </p:nvCxnSpPr>
         <p:spPr>
           <a:xfrm rot="5400000" flipH="1" flipV="1">
-            <a:off x="2484000" y="3384000"/>
+            <a:off x="2124000" y="2663999"/>
             <a:ext cx="1026000" cy="846000"/>
           </a:xfrm>
           <a:prstGeom prst="curvedConnector2">
@@ -20102,15 +20264,15 @@
           </p:cNvPr>
           <p:cNvCxnSpPr>
             <a:cxnSpLocks/>
-            <a:stCxn id="36" idx="2"/>
-            <a:endCxn id="60" idx="6"/>
+            <a:stCxn id="13" idx="2"/>
+            <a:endCxn id="56" idx="6"/>
           </p:cNvCxnSpPr>
           <p:nvPr/>
         </p:nvCxnSpPr>
         <p:spPr>
           <a:xfrm rot="5400000" flipH="1" flipV="1">
-            <a:off x="2124000" y="3024000"/>
-            <a:ext cx="1566000" cy="1026000"/>
+            <a:off x="2124000" y="2483999"/>
+            <a:ext cx="1026000" cy="846000"/>
           </a:xfrm>
           <a:prstGeom prst="curvedConnector2">
             <a:avLst/>
@@ -20150,7 +20312,7 @@
         </p:nvGrpSpPr>
         <p:grpSpPr>
           <a:xfrm>
-            <a:off x="2412000" y="2556000"/>
+            <a:off x="2052000" y="1835999"/>
             <a:ext cx="792000" cy="756000"/>
             <a:chOff x="2394000" y="2538000"/>
             <a:chExt cx="792000" cy="756000"/>
@@ -20397,7 +20559,7 @@
         </p:nvGrpSpPr>
         <p:grpSpPr>
           <a:xfrm rot="5400000">
-            <a:off x="4536000" y="3744000"/>
+            <a:off x="4176000" y="3023999"/>
             <a:ext cx="792000" cy="1080000"/>
             <a:chOff x="3528000" y="3240000"/>
             <a:chExt cx="792000" cy="1080000"/>
@@ -20690,15 +20852,15 @@
           </p:cNvPr>
           <p:cNvCxnSpPr>
             <a:cxnSpLocks/>
-            <a:stCxn id="182" idx="4"/>
+            <a:stCxn id="307" idx="4"/>
             <a:endCxn id="586" idx="0"/>
           </p:cNvCxnSpPr>
           <p:nvPr/>
         </p:nvCxnSpPr>
         <p:spPr>
           <a:xfrm rot="5400000">
-            <a:off x="2718667" y="4284667"/>
-            <a:ext cx="790666" cy="12700"/>
+            <a:off x="2538001" y="3743999"/>
+            <a:ext cx="431999" cy="12700"/>
           </a:xfrm>
           <a:prstGeom prst="curvedConnector3">
             <a:avLst>
@@ -20744,7 +20906,7 @@
         </p:nvCxnSpPr>
         <p:spPr>
           <a:xfrm rot="5400000" flipH="1" flipV="1">
-            <a:off x="4104000" y="2124001"/>
+            <a:off x="3744000" y="1404000"/>
             <a:ext cx="1" cy="463632"/>
           </a:xfrm>
           <a:prstGeom prst="curvedConnector3">
@@ -20791,7 +20953,7 @@
         </p:nvCxnSpPr>
         <p:spPr>
           <a:xfrm flipV="1">
-            <a:off x="4608000" y="3294000"/>
+            <a:off x="4248000" y="2573999"/>
             <a:ext cx="12700" cy="900000"/>
           </a:xfrm>
           <a:prstGeom prst="curvedConnector3">
@@ -20838,7 +21000,7 @@
         </p:nvCxnSpPr>
         <p:spPr>
           <a:xfrm flipV="1">
-            <a:off x="4608000" y="2754000"/>
+            <a:off x="4248000" y="2033999"/>
             <a:ext cx="12700" cy="1800000"/>
           </a:xfrm>
           <a:prstGeom prst="curvedConnector3">
@@ -20849,53 +21011,6 @@
           <a:ln w="15875">
             <a:solidFill>
               <a:srgbClr val="FF0000"/>
-            </a:solidFill>
-          </a:ln>
-        </p:spPr>
-        <p:style>
-          <a:lnRef idx="1">
-            <a:schemeClr val="accent1"/>
-          </a:lnRef>
-          <a:fillRef idx="0">
-            <a:schemeClr val="accent1"/>
-          </a:fillRef>
-          <a:effectRef idx="0">
-            <a:schemeClr val="accent1"/>
-          </a:effectRef>
-          <a:fontRef idx="minor">
-            <a:schemeClr val="tx1"/>
-          </a:fontRef>
-        </p:style>
-      </p:cxnSp>
-      <p:cxnSp>
-        <p:nvCxnSpPr>
-          <p:cNvPr id="647" name="연결선: 구부러짐 646">
-            <a:extLst>
-              <a:ext uri="{FF2B5EF4-FFF2-40B4-BE49-F238E27FC236}">
-                <a16:creationId xmlns:a16="http://schemas.microsoft.com/office/drawing/2014/main" id="{4539E850-E828-E506-ADAE-49548D7D794B}"/>
-              </a:ext>
-            </a:extLst>
-          </p:cNvPr>
-          <p:cNvCxnSpPr>
-            <a:cxnSpLocks/>
-            <a:stCxn id="27" idx="2"/>
-            <a:endCxn id="697" idx="6"/>
-          </p:cNvCxnSpPr>
-          <p:nvPr/>
-        </p:nvCxnSpPr>
-        <p:spPr>
-          <a:xfrm>
-            <a:off x="4608000" y="2574000"/>
-            <a:ext cx="12700" cy="540000"/>
-          </a:xfrm>
-          <a:prstGeom prst="curvedConnector3">
-            <a:avLst>
-              <a:gd name="adj1" fmla="val 1800000"/>
-            </a:avLst>
-          </a:prstGeom>
-          <a:ln w="25400">
-            <a:solidFill>
-              <a:schemeClr val="tx1"/>
             </a:solidFill>
           </a:ln>
         </p:spPr>
@@ -20932,7 +21047,7 @@
         </p:nvCxnSpPr>
         <p:spPr>
           <a:xfrm rot="10800000">
-            <a:off x="3294000" y="2988000"/>
+            <a:off x="2934000" y="2267999"/>
             <a:ext cx="666000" cy="1746000"/>
           </a:xfrm>
           <a:prstGeom prst="curvedConnector2">
@@ -20977,7 +21092,7 @@
         </p:nvCxnSpPr>
         <p:spPr>
           <a:xfrm rot="10800000">
-            <a:off x="2214000" y="2808000"/>
+            <a:off x="1854000" y="2087999"/>
             <a:ext cx="306000" cy="1746000"/>
           </a:xfrm>
           <a:prstGeom prst="curvedConnector2">
@@ -21022,7 +21137,7 @@
         </p:nvCxnSpPr>
         <p:spPr>
           <a:xfrm rot="10800000" flipH="1" flipV="1">
-            <a:off x="2160000" y="2574000"/>
+            <a:off x="1800000" y="1853999"/>
             <a:ext cx="180000" cy="1980000"/>
           </a:xfrm>
           <a:prstGeom prst="curvedConnector3">
@@ -21069,7 +21184,7 @@
         </p:nvCxnSpPr>
         <p:spPr>
           <a:xfrm rot="16200000" flipH="1">
-            <a:off x="2754001" y="2448000"/>
+            <a:off x="2394001" y="1727999"/>
             <a:ext cx="305999" cy="306000"/>
           </a:xfrm>
           <a:prstGeom prst="curvedConnector2">
@@ -21114,7 +21229,7 @@
         </p:nvCxnSpPr>
         <p:spPr>
           <a:xfrm flipV="1">
-            <a:off x="4608000" y="3474000"/>
+            <a:off x="4248000" y="2753999"/>
             <a:ext cx="12700" cy="540000"/>
           </a:xfrm>
           <a:prstGeom prst="curvedConnector3">
@@ -21154,15 +21269,15 @@
           </p:cNvPr>
           <p:cNvCxnSpPr>
             <a:cxnSpLocks/>
-            <a:stCxn id="321" idx="6"/>
+            <a:stCxn id="27" idx="6"/>
             <a:endCxn id="587" idx="0"/>
           </p:cNvCxnSpPr>
           <p:nvPr/>
         </p:nvCxnSpPr>
         <p:spPr>
           <a:xfrm rot="10800000" flipV="1">
-            <a:off x="3834000" y="2754000"/>
-            <a:ext cx="486000" cy="1926000"/>
+            <a:off x="3474000" y="1853999"/>
+            <a:ext cx="666000" cy="2106000"/>
           </a:xfrm>
           <a:prstGeom prst="curvedConnector2">
             <a:avLst/>
@@ -21188,280 +21303,6 @@
           </a:fontRef>
         </p:style>
       </p:cxnSp>
-      <p:sp>
-        <p:nvSpPr>
-          <p:cNvPr id="810" name="TextBox 809">
-            <a:extLst>
-              <a:ext uri="{FF2B5EF4-FFF2-40B4-BE49-F238E27FC236}">
-                <a16:creationId xmlns:a16="http://schemas.microsoft.com/office/drawing/2014/main" id="{73C1937F-262A-15F8-B16D-97D9AE30413E}"/>
-              </a:ext>
-            </a:extLst>
-          </p:cNvPr>
-          <p:cNvSpPr txBox="1"/>
-          <p:nvPr/>
-        </p:nvSpPr>
-        <p:spPr>
-          <a:xfrm>
-            <a:off x="5400000" y="540000"/>
-            <a:ext cx="4320000" cy="6017032"/>
-          </a:xfrm>
-          <a:prstGeom prst="rect">
-            <a:avLst/>
-          </a:prstGeom>
-          <a:noFill/>
-        </p:spPr>
-        <p:txBody>
-          <a:bodyPr wrap="square" lIns="72000" rIns="72000" rtlCol="0">
-            <a:spAutoFit/>
-          </a:bodyPr>
-          <a:lstStyle/>
-          <a:p>
-            <a:pPr marL="228600" indent="-228600">
-              <a:buAutoNum type="arabicPeriod"/>
-            </a:pPr>
-            <a:r>
-              <a:rPr lang="en-US" altLang="ko-KR" sz="1100" dirty="0"/>
-              <a:t>Buck module: remove pins, solder only 5V pin, remove spacer. Place on PCB, fold 5V pin toward C and solder</a:t>
-            </a:r>
-          </a:p>
-          <a:p>
-            <a:pPr marL="228600" indent="-228600">
-              <a:buFontTx/>
-              <a:buAutoNum type="arabicPeriod"/>
-            </a:pPr>
-            <a:r>
-              <a:rPr lang="en-US" altLang="ko-KR" sz="1100" dirty="0"/>
-              <a:t>Red wire upside through W and I, fold toward V and J respectively</a:t>
-            </a:r>
-          </a:p>
-          <a:p>
-            <a:pPr marL="228600" indent="-228600">
-              <a:buFontTx/>
-              <a:buAutoNum type="arabicPeriod"/>
-            </a:pPr>
-            <a:r>
-              <a:rPr lang="en-US" altLang="ko-KR" sz="1100" dirty="0"/>
-              <a:t>Solder Boost. Fold pins Vo-H, GND-N and Vi-E</a:t>
-            </a:r>
-          </a:p>
-          <a:p>
-            <a:pPr marL="228600" indent="-228600">
-              <a:buFontTx/>
-              <a:buAutoNum type="arabicPeriod"/>
-            </a:pPr>
-            <a:r>
-              <a:rPr lang="en-US" altLang="ko-KR" sz="1100" dirty="0"/>
-              <a:t>Red wire runs underside from H to J-I</a:t>
-            </a:r>
-          </a:p>
-          <a:p>
-            <a:pPr marL="228600" indent="-228600">
-              <a:buFontTx/>
-              <a:buAutoNum type="arabicPeriod"/>
-            </a:pPr>
-            <a:r>
-              <a:rPr lang="en-US" altLang="ko-KR" sz="1100" dirty="0"/>
-              <a:t>Boost Vo upside red wire to R pass-through</a:t>
-            </a:r>
-          </a:p>
-          <a:p>
-            <a:pPr marL="228600" indent="-228600">
-              <a:buFontTx/>
-              <a:buAutoNum type="arabicPeriod"/>
-            </a:pPr>
-            <a:r>
-              <a:rPr lang="en-US" altLang="ko-KR" sz="1100" dirty="0"/>
-              <a:t>Braid together 1 strand each of black and wrapper wires for 7mm, solder through X from underside then back through Y point toward T</a:t>
-            </a:r>
-          </a:p>
-          <a:p>
-            <a:pPr marL="228600" indent="-228600">
-              <a:buFontTx/>
-              <a:buAutoNum type="arabicPeriod"/>
-            </a:pPr>
-            <a:r>
-              <a:rPr lang="en-US" altLang="ko-KR" sz="1100" dirty="0"/>
-              <a:t>Prepare C3:</a:t>
-            </a:r>
-          </a:p>
-          <a:p>
-            <a:pPr marL="360000" lvl="1" indent="-171450">
-              <a:buFont typeface="Arial" panose="020B0604020202020204" pitchFamily="34" charset="0"/>
-              <a:buChar char="•"/>
-            </a:pPr>
-            <a:r>
-              <a:rPr lang="en-US" altLang="ko-KR" sz="1100" dirty="0"/>
-              <a:t>Solder all pins except G and A</a:t>
-            </a:r>
-          </a:p>
-          <a:p>
-            <a:pPr marL="360000" lvl="1" indent="-171450">
-              <a:buFont typeface="Arial" panose="020B0604020202020204" pitchFamily="34" charset="0"/>
-              <a:buChar char="•"/>
-            </a:pPr>
-            <a:r>
-              <a:rPr lang="en-US" altLang="ko-KR" sz="1100" dirty="0"/>
-              <a:t>Yellow core pins point up (incl. O), soldered underside. Violet pins should have enough length underside to solder to PCB</a:t>
-            </a:r>
-          </a:p>
-          <a:p>
-            <a:pPr marL="360000" lvl="1" indent="-171450">
-              <a:buFont typeface="Arial" panose="020B0604020202020204" pitchFamily="34" charset="0"/>
-              <a:buChar char="•"/>
-            </a:pPr>
-            <a:r>
-              <a:rPr lang="en-US" altLang="ko-KR" sz="1100" dirty="0"/>
-              <a:t>Remove upper spacers. Keep lower spacers</a:t>
-            </a:r>
-          </a:p>
-          <a:p>
-            <a:pPr marL="360000" lvl="1" indent="-171450">
-              <a:buFont typeface="Arial" panose="020B0604020202020204" pitchFamily="34" charset="0"/>
-              <a:buChar char="•"/>
-            </a:pPr>
-            <a:r>
-              <a:rPr lang="en-US" altLang="ko-KR" sz="1100" dirty="0"/>
-              <a:t>Solder black wire topside at T and dangle</a:t>
-            </a:r>
-          </a:p>
-          <a:p>
-            <a:pPr marL="228600" indent="-228600">
-              <a:buFontTx/>
-              <a:buAutoNum type="arabicPeriod"/>
-            </a:pPr>
-            <a:r>
-              <a:rPr lang="en-US" altLang="ko-KR" sz="1100" dirty="0"/>
-              <a:t>Place C3, fold pins V-W and T-Y, solder all including upper-pointing pins. Ensure V-W and Y-T are connected to wires.</a:t>
-            </a:r>
-          </a:p>
-          <a:p>
-            <a:pPr marL="228600" indent="-228600">
-              <a:buAutoNum type="arabicPeriod"/>
-            </a:pPr>
-            <a:r>
-              <a:rPr lang="en-US" altLang="ko-KR" sz="1100" dirty="0"/>
-              <a:t>Solder 100K underside, through B and A (up to C3)</a:t>
-            </a:r>
-          </a:p>
-          <a:p>
-            <a:pPr marL="228600" indent="-228600">
-              <a:buFontTx/>
-              <a:buAutoNum type="arabicPeriod"/>
-            </a:pPr>
-            <a:r>
-              <a:rPr lang="en-US" altLang="ko-KR" sz="1100" dirty="0"/>
-              <a:t>Solder 10K underside with link at K with 100K and O up to C3 pin crenellation.</a:t>
-            </a:r>
-          </a:p>
-          <a:p>
-            <a:pPr marL="228600" indent="-228600">
-              <a:buFontTx/>
-              <a:buAutoNum type="arabicPeriod"/>
-            </a:pPr>
-            <a:r>
-              <a:rPr lang="en-US" altLang="ko-KR" sz="1100" dirty="0"/>
-              <a:t>Solder transistor underside at D, G (up to C3), S.</a:t>
-            </a:r>
-          </a:p>
-          <a:p>
-            <a:pPr marL="228600" indent="-228600">
-              <a:buFontTx/>
-              <a:buAutoNum type="arabicPeriod"/>
-            </a:pPr>
-            <a:r>
-              <a:rPr lang="en-US" altLang="ko-KR" sz="1100" dirty="0"/>
-              <a:t>Dangling black wire from T crosses under C3, then soldered with 10K at O crenellation between C3 and PCB.</a:t>
-            </a:r>
-          </a:p>
-          <a:p>
-            <a:pPr marL="228600" indent="-228600">
-              <a:buFontTx/>
-              <a:buAutoNum type="arabicPeriod"/>
-            </a:pPr>
-            <a:r>
-              <a:rPr lang="en-US" altLang="ko-KR" sz="1100" dirty="0"/>
-              <a:t>Layer insulation tape over TR and resistors</a:t>
-            </a:r>
-          </a:p>
-          <a:p>
-            <a:pPr marL="228600" indent="-228600">
-              <a:buFontTx/>
-              <a:buAutoNum type="arabicPeriod"/>
-            </a:pPr>
-            <a:r>
-              <a:rPr lang="en-US" altLang="ko-KR" sz="1100" dirty="0"/>
-              <a:t>Place AHT10 on PCB and insert 4-pin header from underneath. Solder from upside, then remove spacers. Wrap wires underside with C3.</a:t>
-            </a:r>
-          </a:p>
-          <a:p>
-            <a:pPr marL="228600" indent="-228600">
-              <a:buFontTx/>
-              <a:buAutoNum type="arabicPeriod"/>
-            </a:pPr>
-            <a:r>
-              <a:rPr lang="en-US" altLang="ko-KR" sz="1100" dirty="0"/>
-              <a:t>Solder battery wires from B and X underside peeking up and toward connector legs (L, M). Blue wire to Boost Vi underside via B.</a:t>
-            </a:r>
-          </a:p>
-          <a:p>
-            <a:pPr marL="228600" indent="-228600">
-              <a:buFontTx/>
-              <a:buAutoNum type="arabicPeriod"/>
-            </a:pPr>
-            <a:r>
-              <a:rPr lang="en-US" altLang="ko-KR" sz="1100" dirty="0"/>
-              <a:t>Place battery connector, fold pins and solder.</a:t>
-            </a:r>
-          </a:p>
-          <a:p>
-            <a:pPr marL="228600" indent="-228600">
-              <a:buFontTx/>
-              <a:buAutoNum type="arabicPeriod"/>
-            </a:pPr>
-            <a:r>
-              <a:rPr lang="en-US" altLang="ko-KR" sz="1100" dirty="0"/>
-              <a:t>Relay: clip NC pin and solder underside C, R, I, D</a:t>
-            </a:r>
-          </a:p>
-          <a:p>
-            <a:pPr marL="228600" indent="-228600">
-              <a:buFontTx/>
-              <a:buAutoNum type="arabicPeriod"/>
-            </a:pPr>
-            <a:r>
-              <a:rPr lang="en-US" altLang="ko-KR" sz="1100" dirty="0"/>
-              <a:t>Glue-gun Relay to PCB</a:t>
-            </a:r>
-          </a:p>
-          <a:p>
-            <a:pPr marL="228600" indent="-228600">
-              <a:buAutoNum type="arabicPeriod"/>
-            </a:pPr>
-            <a:r>
-              <a:rPr lang="en-US" altLang="ko-KR" sz="1100" dirty="0"/>
-              <a:t>Populate LoRa pins except VCC and GND. Yellow core pins point up, so headers are inserted from above and soldered underside</a:t>
-            </a:r>
-          </a:p>
-          <a:p>
-            <a:pPr marL="228600" indent="-228600">
-              <a:buAutoNum type="arabicPeriod"/>
-            </a:pPr>
-            <a:r>
-              <a:rPr lang="en-US" altLang="ko-KR" sz="1100" dirty="0"/>
-              <a:t>LoRa VCC and GND are pass-through from underside to Buck module</a:t>
-            </a:r>
-          </a:p>
-          <a:p>
-            <a:pPr marL="228600" indent="-228600">
-              <a:buAutoNum type="arabicPeriod"/>
-            </a:pPr>
-            <a:r>
-              <a:rPr lang="en-US" altLang="ko-KR" sz="1100" dirty="0"/>
-              <a:t>Wrap SPI wires topside between LoRa and C3</a:t>
-            </a:r>
-          </a:p>
-        </p:txBody>
-      </p:sp>
       <p:cxnSp>
         <p:nvCxnSpPr>
           <p:cNvPr id="816" name="연결선: 구부러짐 815">
@@ -21473,19 +21314,19 @@
           </p:cNvPr>
           <p:cNvCxnSpPr>
             <a:cxnSpLocks/>
-            <a:stCxn id="321" idx="2"/>
+            <a:stCxn id="27" idx="2"/>
             <a:endCxn id="580" idx="4"/>
           </p:cNvCxnSpPr>
           <p:nvPr/>
         </p:nvCxnSpPr>
         <p:spPr>
           <a:xfrm>
-            <a:off x="4428000" y="2754000"/>
-            <a:ext cx="180000" cy="1620000"/>
+            <a:off x="4248000" y="1853999"/>
+            <a:ext cx="12700" cy="1800000"/>
           </a:xfrm>
           <a:prstGeom prst="curvedConnector3">
             <a:avLst>
-              <a:gd name="adj1" fmla="val 227000"/>
+              <a:gd name="adj1" fmla="val 1800000"/>
             </a:avLst>
           </a:prstGeom>
           <a:ln w="15875">
@@ -21523,7 +21364,7 @@
         </p:nvGrpSpPr>
         <p:grpSpPr>
           <a:xfrm>
-            <a:off x="2268000" y="1080001"/>
+            <a:off x="1908000" y="360000"/>
             <a:ext cx="2016000" cy="1368000"/>
             <a:chOff x="6840000" y="2160000"/>
             <a:chExt cx="2016000" cy="1368000"/>
@@ -22123,7 +21964,7 @@
         </p:nvCxnSpPr>
         <p:spPr>
           <a:xfrm>
-            <a:off x="3168000" y="2574000"/>
+            <a:off x="2808000" y="1853999"/>
             <a:ext cx="612000" cy="12700"/>
           </a:xfrm>
           <a:prstGeom prst="curvedConnector3">
@@ -22164,14 +22005,14 @@
           <p:cNvCxnSpPr>
             <a:cxnSpLocks/>
             <a:stCxn id="220" idx="6"/>
-            <a:endCxn id="812" idx="0"/>
+            <a:endCxn id="308" idx="0"/>
           </p:cNvCxnSpPr>
           <p:nvPr/>
         </p:nvCxnSpPr>
         <p:spPr>
           <a:xfrm rot="5400000">
-            <a:off x="2898000" y="3564000"/>
-            <a:ext cx="432000" cy="12700"/>
+            <a:off x="2538000" y="2843999"/>
+            <a:ext cx="432001" cy="12700"/>
           </a:xfrm>
           <a:prstGeom prst="curvedConnector3">
             <a:avLst>
@@ -22181,55 +22022,6 @@
           <a:ln w="25400">
             <a:solidFill>
               <a:srgbClr val="00B0F0"/>
-            </a:solidFill>
-          </a:ln>
-        </p:spPr>
-        <p:style>
-          <a:lnRef idx="1">
-            <a:schemeClr val="accent1"/>
-          </a:lnRef>
-          <a:fillRef idx="0">
-            <a:schemeClr val="accent1"/>
-          </a:fillRef>
-          <a:effectRef idx="0">
-            <a:schemeClr val="accent1"/>
-          </a:effectRef>
-          <a:fontRef idx="minor">
-            <a:schemeClr val="tx1"/>
-          </a:fontRef>
-        </p:style>
-      </p:cxnSp>
-      <p:cxnSp>
-        <p:nvCxnSpPr>
-          <p:cNvPr id="225" name="연결선: 구부러짐 224">
-            <a:extLst>
-              <a:ext uri="{FF2B5EF4-FFF2-40B4-BE49-F238E27FC236}">
-                <a16:creationId xmlns:a16="http://schemas.microsoft.com/office/drawing/2014/main" id="{6C805620-5205-55B6-D49B-AC90F864B2EC}"/>
-              </a:ext>
-            </a:extLst>
-          </p:cNvPr>
-          <p:cNvCxnSpPr>
-            <a:cxnSpLocks/>
-            <a:stCxn id="611" idx="6"/>
-            <a:endCxn id="697" idx="2"/>
-          </p:cNvCxnSpPr>
-          <p:nvPr/>
-        </p:nvCxnSpPr>
-        <p:spPr>
-          <a:xfrm>
-            <a:off x="4428002" y="3114000"/>
-            <a:ext cx="71998" cy="12700"/>
-          </a:xfrm>
-          <a:prstGeom prst="curvedConnector3">
-            <a:avLst>
-              <a:gd name="adj1" fmla="val 50000"/>
-            </a:avLst>
-          </a:prstGeom>
-          <a:ln w="25400">
-            <a:solidFill>
-              <a:schemeClr val="accent4">
-                <a:lumMod val="50000"/>
-              </a:schemeClr>
             </a:solidFill>
           </a:ln>
         </p:spPr>
@@ -22262,7 +22054,7 @@
         </p:nvSpPr>
         <p:spPr>
           <a:xfrm>
-            <a:off x="3060000" y="3960000"/>
+            <a:off x="2700000" y="3420000"/>
             <a:ext cx="108000" cy="108000"/>
           </a:xfrm>
           <a:prstGeom prst="ellipse">
@@ -22316,7 +22108,7 @@
         </p:nvSpPr>
         <p:spPr>
           <a:xfrm>
-            <a:off x="3060000" y="3600000"/>
+            <a:off x="2700000" y="3060000"/>
             <a:ext cx="108000" cy="108000"/>
           </a:xfrm>
           <a:prstGeom prst="ellipse">
@@ -22370,7 +22162,7 @@
         </p:nvSpPr>
         <p:spPr>
           <a:xfrm>
-            <a:off x="3780000" y="2520000"/>
+            <a:off x="3420000" y="1799999"/>
             <a:ext cx="108000" cy="108000"/>
           </a:xfrm>
           <a:prstGeom prst="ellipse">
@@ -22424,75 +22216,6 @@
           </a:p>
         </p:txBody>
       </p:sp>
-      <p:sp>
-        <p:nvSpPr>
-          <p:cNvPr id="321" name="타원 320">
-            <a:extLst>
-              <a:ext uri="{FF2B5EF4-FFF2-40B4-BE49-F238E27FC236}">
-                <a16:creationId xmlns:a16="http://schemas.microsoft.com/office/drawing/2014/main" id="{34CFDC13-14FD-76B7-CBED-869DD490B46E}"/>
-              </a:ext>
-            </a:extLst>
-          </p:cNvPr>
-          <p:cNvSpPr/>
-          <p:nvPr/>
-        </p:nvSpPr>
-        <p:spPr>
-          <a:xfrm flipH="1">
-            <a:off x="4320000" y="2700000"/>
-            <a:ext cx="108000" cy="108000"/>
-          </a:xfrm>
-          <a:prstGeom prst="ellipse">
-            <a:avLst/>
-          </a:prstGeom>
-          <a:solidFill>
-            <a:schemeClr val="bg1"/>
-          </a:solidFill>
-          <a:ln w="25400">
-            <a:solidFill>
-              <a:schemeClr val="tx1"/>
-            </a:solidFill>
-          </a:ln>
-        </p:spPr>
-        <p:style>
-          <a:lnRef idx="2">
-            <a:schemeClr val="accent1">
-              <a:shade val="15000"/>
-            </a:schemeClr>
-          </a:lnRef>
-          <a:fillRef idx="1">
-            <a:schemeClr val="accent1"/>
-          </a:fillRef>
-          <a:effectRef idx="0">
-            <a:schemeClr val="accent1"/>
-          </a:effectRef>
-          <a:fontRef idx="minor">
-            <a:schemeClr val="lt1"/>
-          </a:fontRef>
-        </p:style>
-        <p:txBody>
-          <a:bodyPr rtlCol="0" anchor="ctr"/>
-          <a:lstStyle/>
-          <a:p>
-            <a:pPr algn="ctr"/>
-            <a:r>
-              <a:rPr lang="fr-FR" altLang="ko-KR" sz="600" b="1" dirty="0">
-                <a:solidFill>
-                  <a:schemeClr val="tx1"/>
-                </a:solidFill>
-                <a:latin typeface="Cambria" panose="02040503050406030204" pitchFamily="18" charset="0"/>
-                <a:ea typeface="Cambria" panose="02040503050406030204" pitchFamily="18" charset="0"/>
-              </a:rPr>
-              <a:t>X</a:t>
-            </a:r>
-            <a:endParaRPr lang="ko-KR" altLang="en-US" sz="600" b="1" dirty="0">
-              <a:solidFill>
-                <a:schemeClr val="tx1"/>
-              </a:solidFill>
-              <a:latin typeface="Cambria" panose="02040503050406030204" pitchFamily="18" charset="0"/>
-            </a:endParaRPr>
-          </a:p>
-        </p:txBody>
-      </p:sp>
       <p:grpSp>
         <p:nvGrpSpPr>
           <p:cNvPr id="329" name="그룹 328">
@@ -22507,10 +22230,10 @@
         </p:nvGrpSpPr>
         <p:grpSpPr>
           <a:xfrm>
-            <a:off x="3060000" y="3600000"/>
-            <a:ext cx="1548000" cy="324000"/>
-            <a:chOff x="3060000" y="3600000"/>
-            <a:chExt cx="1548000" cy="324000"/>
+            <a:off x="2700000" y="2880000"/>
+            <a:ext cx="1656000" cy="504000"/>
+            <a:chOff x="3060000" y="3420000"/>
+            <a:chExt cx="1656000" cy="504000"/>
           </a:xfrm>
         </p:grpSpPr>
         <p:sp>
@@ -22674,7 +22397,7 @@
           </p:nvSpPr>
           <p:spPr>
             <a:xfrm>
-              <a:off x="4500000" y="3600000"/>
+              <a:off x="4608000" y="3420000"/>
               <a:ext cx="108000" cy="108000"/>
             </a:xfrm>
             <a:prstGeom prst="ellipse">
@@ -22778,331 +22501,10 @@
           </p:nvCxnSpPr>
           <p:spPr>
             <a:xfrm rot="5400000">
-              <a:off x="4266000" y="3546000"/>
-              <a:ext cx="126000" cy="450000"/>
+              <a:off x="4230000" y="3402000"/>
+              <a:ext cx="306000" cy="558000"/>
             </a:xfrm>
             <a:prstGeom prst="curvedConnector2">
-              <a:avLst/>
-            </a:prstGeom>
-            <a:ln w="25400">
-              <a:solidFill>
-                <a:schemeClr val="accent4">
-                  <a:lumMod val="50000"/>
-                </a:schemeClr>
-              </a:solidFill>
-            </a:ln>
-          </p:spPr>
-          <p:style>
-            <a:lnRef idx="1">
-              <a:schemeClr val="accent1"/>
-            </a:lnRef>
-            <a:fillRef idx="0">
-              <a:schemeClr val="accent1"/>
-            </a:fillRef>
-            <a:effectRef idx="0">
-              <a:schemeClr val="accent1"/>
-            </a:effectRef>
-            <a:fontRef idx="minor">
-              <a:schemeClr val="tx1"/>
-            </a:fontRef>
-          </p:style>
-        </p:cxnSp>
-      </p:grpSp>
-      <p:grpSp>
-        <p:nvGrpSpPr>
-          <p:cNvPr id="608" name="그룹 607">
-            <a:extLst>
-              <a:ext uri="{FF2B5EF4-FFF2-40B4-BE49-F238E27FC236}">
-                <a16:creationId xmlns:a16="http://schemas.microsoft.com/office/drawing/2014/main" id="{BB7FBE26-EDCC-9D34-7F96-69A2FE2B380C}"/>
-              </a:ext>
-            </a:extLst>
-          </p:cNvPr>
-          <p:cNvGrpSpPr/>
-          <p:nvPr/>
-        </p:nvGrpSpPr>
-        <p:grpSpPr>
-          <a:xfrm rot="5400000">
-            <a:off x="3960000" y="3384000"/>
-            <a:ext cx="828000" cy="180000"/>
-            <a:chOff x="4860000" y="4284002"/>
-            <a:chExt cx="828000" cy="180000"/>
-          </a:xfrm>
-        </p:grpSpPr>
-        <p:sp>
-          <p:nvSpPr>
-            <p:cNvPr id="609" name="사각형: 둥근 모서리 608">
-              <a:extLst>
-                <a:ext uri="{FF2B5EF4-FFF2-40B4-BE49-F238E27FC236}">
-                  <a16:creationId xmlns:a16="http://schemas.microsoft.com/office/drawing/2014/main" id="{BF660E92-FABD-7AA5-2E45-3A8D02C8E7F5}"/>
-                </a:ext>
-              </a:extLst>
-            </p:cNvPr>
-            <p:cNvSpPr/>
-            <p:nvPr/>
-          </p:nvSpPr>
-          <p:spPr>
-            <a:xfrm>
-              <a:off x="5003998" y="4284002"/>
-              <a:ext cx="540000" cy="180000"/>
-            </a:xfrm>
-            <a:prstGeom prst="roundRect">
-              <a:avLst>
-                <a:gd name="adj" fmla="val 50000"/>
-              </a:avLst>
-            </a:prstGeom>
-            <a:solidFill>
-              <a:schemeClr val="accent4">
-                <a:lumMod val="50000"/>
-                <a:alpha val="38000"/>
-              </a:schemeClr>
-            </a:solidFill>
-            <a:ln w="25400">
-              <a:solidFill>
-                <a:schemeClr val="accent4">
-                  <a:lumMod val="50000"/>
-                </a:schemeClr>
-              </a:solidFill>
-            </a:ln>
-          </p:spPr>
-          <p:style>
-            <a:lnRef idx="2">
-              <a:schemeClr val="accent1">
-                <a:shade val="15000"/>
-              </a:schemeClr>
-            </a:lnRef>
-            <a:fillRef idx="1">
-              <a:schemeClr val="accent1"/>
-            </a:fillRef>
-            <a:effectRef idx="0">
-              <a:schemeClr val="accent1"/>
-            </a:effectRef>
-            <a:fontRef idx="minor">
-              <a:schemeClr val="lt1"/>
-            </a:fontRef>
-          </p:style>
-          <p:txBody>
-            <a:bodyPr lIns="36000" rIns="36000" rtlCol="0" anchor="ctr"/>
-            <a:lstStyle/>
-            <a:p>
-              <a:pPr algn="ctr"/>
-              <a:r>
-                <a:rPr lang="fr-FR" altLang="ko-KR" sz="1200" dirty="0">
-                  <a:solidFill>
-                    <a:schemeClr val="bg1"/>
-                  </a:solidFill>
-                  <a:latin typeface="Calibri" panose="020F0502020204030204" pitchFamily="34" charset="0"/>
-                  <a:ea typeface="Calibri" panose="020F0502020204030204" pitchFamily="34" charset="0"/>
-                  <a:cs typeface="Calibri" panose="020F0502020204030204" pitchFamily="34" charset="0"/>
-                </a:rPr>
-                <a:t>10K</a:t>
-              </a:r>
-              <a:endParaRPr lang="ko-KR" altLang="en-US" sz="1200" dirty="0">
-                <a:solidFill>
-                  <a:schemeClr val="bg1"/>
-                </a:solidFill>
-                <a:latin typeface="Calibri" panose="020F0502020204030204" pitchFamily="34" charset="0"/>
-                <a:cs typeface="Calibri" panose="020F0502020204030204" pitchFamily="34" charset="0"/>
-              </a:endParaRPr>
-            </a:p>
-          </p:txBody>
-        </p:sp>
-        <p:sp>
-          <p:nvSpPr>
-            <p:cNvPr id="610" name="타원 609">
-              <a:extLst>
-                <a:ext uri="{FF2B5EF4-FFF2-40B4-BE49-F238E27FC236}">
-                  <a16:creationId xmlns:a16="http://schemas.microsoft.com/office/drawing/2014/main" id="{CB7E7939-E3C3-842B-AABA-C4AB222D199A}"/>
-                </a:ext>
-              </a:extLst>
-            </p:cNvPr>
-            <p:cNvSpPr/>
-            <p:nvPr/>
-          </p:nvSpPr>
-          <p:spPr>
-            <a:xfrm rot="16200000">
-              <a:off x="5580000" y="4320000"/>
-              <a:ext cx="108000" cy="108000"/>
-            </a:xfrm>
-            <a:prstGeom prst="ellipse">
-              <a:avLst/>
-            </a:prstGeom>
-            <a:noFill/>
-            <a:ln w="25400">
-              <a:solidFill>
-                <a:schemeClr val="accent4">
-                  <a:lumMod val="50000"/>
-                </a:schemeClr>
-              </a:solidFill>
-            </a:ln>
-          </p:spPr>
-          <p:style>
-            <a:lnRef idx="2">
-              <a:schemeClr val="accent1">
-                <a:shade val="15000"/>
-              </a:schemeClr>
-            </a:lnRef>
-            <a:fillRef idx="1">
-              <a:schemeClr val="accent1"/>
-            </a:fillRef>
-            <a:effectRef idx="0">
-              <a:schemeClr val="accent1"/>
-            </a:effectRef>
-            <a:fontRef idx="minor">
-              <a:schemeClr val="lt1"/>
-            </a:fontRef>
-          </p:style>
-          <p:txBody>
-            <a:bodyPr rtlCol="0" anchor="ctr"/>
-            <a:lstStyle/>
-            <a:p>
-              <a:pPr algn="ctr"/>
-              <a:r>
-                <a:rPr lang="fr-FR" altLang="ko-KR" sz="600" b="1" dirty="0">
-                  <a:solidFill>
-                    <a:schemeClr val="tx1"/>
-                  </a:solidFill>
-                  <a:latin typeface="Cambria" panose="02040503050406030204" pitchFamily="18" charset="0"/>
-                  <a:ea typeface="Cambria" panose="02040503050406030204" pitchFamily="18" charset="0"/>
-                </a:rPr>
-                <a:t>K</a:t>
-              </a:r>
-              <a:endParaRPr lang="ko-KR" altLang="en-US" sz="1600" dirty="0"/>
-            </a:p>
-          </p:txBody>
-        </p:sp>
-        <p:sp>
-          <p:nvSpPr>
-            <p:cNvPr id="611" name="타원 610">
-              <a:extLst>
-                <a:ext uri="{FF2B5EF4-FFF2-40B4-BE49-F238E27FC236}">
-                  <a16:creationId xmlns:a16="http://schemas.microsoft.com/office/drawing/2014/main" id="{8EC466C7-D871-26D9-490B-FA484FD594C6}"/>
-                </a:ext>
-              </a:extLst>
-            </p:cNvPr>
-            <p:cNvSpPr/>
-            <p:nvPr/>
-          </p:nvSpPr>
-          <p:spPr>
-            <a:xfrm rot="16200000">
-              <a:off x="4860000" y="4320000"/>
-              <a:ext cx="108000" cy="108000"/>
-            </a:xfrm>
-            <a:prstGeom prst="ellipse">
-              <a:avLst/>
-            </a:prstGeom>
-            <a:noFill/>
-            <a:ln w="25400">
-              <a:solidFill>
-                <a:schemeClr val="accent4">
-                  <a:lumMod val="50000"/>
-                </a:schemeClr>
-              </a:solidFill>
-            </a:ln>
-          </p:spPr>
-          <p:style>
-            <a:lnRef idx="2">
-              <a:schemeClr val="accent1">
-                <a:shade val="15000"/>
-              </a:schemeClr>
-            </a:lnRef>
-            <a:fillRef idx="1">
-              <a:schemeClr val="accent1"/>
-            </a:fillRef>
-            <a:effectRef idx="0">
-              <a:schemeClr val="accent1"/>
-            </a:effectRef>
-            <a:fontRef idx="minor">
-              <a:schemeClr val="lt1"/>
-            </a:fontRef>
-          </p:style>
-          <p:txBody>
-            <a:bodyPr rtlCol="0" anchor="ctr"/>
-            <a:lstStyle/>
-            <a:p>
-              <a:pPr algn="ctr"/>
-              <a:r>
-                <a:rPr lang="fr-FR" altLang="ko-KR" sz="600" b="1" dirty="0">
-                  <a:solidFill>
-                    <a:schemeClr val="tx1"/>
-                  </a:solidFill>
-                  <a:latin typeface="Cambria" panose="02040503050406030204" pitchFamily="18" charset="0"/>
-                  <a:ea typeface="Cambria" panose="02040503050406030204" pitchFamily="18" charset="0"/>
-                </a:rPr>
-                <a:t>S</a:t>
-              </a:r>
-              <a:endParaRPr lang="ko-KR" altLang="en-US" sz="1600" dirty="0"/>
-            </a:p>
-          </p:txBody>
-        </p:sp>
-        <p:cxnSp>
-          <p:nvCxnSpPr>
-            <p:cNvPr id="612" name="직선 연결선 611">
-              <a:extLst>
-                <a:ext uri="{FF2B5EF4-FFF2-40B4-BE49-F238E27FC236}">
-                  <a16:creationId xmlns:a16="http://schemas.microsoft.com/office/drawing/2014/main" id="{3EAC6EA1-6D77-0559-7ADB-32A3EEF6C477}"/>
-                </a:ext>
-              </a:extLst>
-            </p:cNvPr>
-            <p:cNvCxnSpPr>
-              <a:cxnSpLocks/>
-              <a:stCxn id="609" idx="1"/>
-              <a:endCxn id="611" idx="4"/>
-            </p:cNvCxnSpPr>
-            <p:nvPr/>
-          </p:nvCxnSpPr>
-          <p:spPr>
-            <a:xfrm rot="16200000" flipV="1">
-              <a:off x="4985998" y="4356002"/>
-              <a:ext cx="2" cy="35998"/>
-            </a:xfrm>
-            <a:prstGeom prst="line">
-              <a:avLst/>
-            </a:prstGeom>
-            <a:ln w="25400">
-              <a:solidFill>
-                <a:schemeClr val="accent4">
-                  <a:lumMod val="50000"/>
-                </a:schemeClr>
-              </a:solidFill>
-            </a:ln>
-          </p:spPr>
-          <p:style>
-            <a:lnRef idx="1">
-              <a:schemeClr val="accent1"/>
-            </a:lnRef>
-            <a:fillRef idx="0">
-              <a:schemeClr val="accent1"/>
-            </a:fillRef>
-            <a:effectRef idx="0">
-              <a:schemeClr val="accent1"/>
-            </a:effectRef>
-            <a:fontRef idx="minor">
-              <a:schemeClr val="tx1"/>
-            </a:fontRef>
-          </p:style>
-        </p:cxnSp>
-        <p:cxnSp>
-          <p:nvCxnSpPr>
-            <p:cNvPr id="613" name="직선 연결선 612">
-              <a:extLst>
-                <a:ext uri="{FF2B5EF4-FFF2-40B4-BE49-F238E27FC236}">
-                  <a16:creationId xmlns:a16="http://schemas.microsoft.com/office/drawing/2014/main" id="{560FCA52-CAF9-597A-35B1-B128161BEA35}"/>
-                </a:ext>
-              </a:extLst>
-            </p:cNvPr>
-            <p:cNvCxnSpPr>
-              <a:cxnSpLocks/>
-              <a:stCxn id="610" idx="0"/>
-              <a:endCxn id="609" idx="3"/>
-            </p:cNvCxnSpPr>
-            <p:nvPr/>
-          </p:nvCxnSpPr>
-          <p:spPr>
-            <a:xfrm rot="16200000" flipH="1" flipV="1">
-              <a:off x="5561998" y="4356000"/>
-              <a:ext cx="2" cy="36002"/>
-            </a:xfrm>
-            <a:prstGeom prst="line">
               <a:avLst/>
             </a:prstGeom>
             <a:ln w="25400">
@@ -23143,7 +22545,7 @@
         </p:nvGrpSpPr>
         <p:grpSpPr>
           <a:xfrm rot="5400000">
-            <a:off x="3204000" y="4284000"/>
+            <a:off x="2844000" y="3563999"/>
             <a:ext cx="540000" cy="828000"/>
             <a:chOff x="4080550" y="5077751"/>
             <a:chExt cx="540000" cy="828000"/>
@@ -23458,7 +22860,7 @@
         </p:nvGrpSpPr>
         <p:grpSpPr>
           <a:xfrm>
-            <a:off x="1008000" y="3636000"/>
+            <a:off x="648000" y="2915999"/>
             <a:ext cx="1656000" cy="1296000"/>
             <a:chOff x="800534" y="5142934"/>
             <a:chExt cx="1656000" cy="1296000"/>
@@ -23757,11 +23159,16 @@
               <a:avLst/>
             </a:prstGeom>
             <a:solidFill>
-              <a:srgbClr val="FFFF00"/>
+              <a:schemeClr val="bg1">
+                <a:lumMod val="50000"/>
+              </a:schemeClr>
             </a:solidFill>
             <a:ln w="25400">
               <a:solidFill>
-                <a:srgbClr val="CC00FF"/>
+                <a:schemeClr val="tx1">
+                  <a:lumMod val="50000"/>
+                  <a:lumOff val="50000"/>
+                </a:schemeClr>
               </a:solidFill>
             </a:ln>
           </p:spPr>
@@ -24021,7 +23428,7 @@
         </p:nvSpPr>
         <p:spPr>
           <a:xfrm rot="5400000">
-            <a:off x="3060000" y="2520000"/>
+            <a:off x="2700000" y="1799999"/>
             <a:ext cx="108000" cy="108000"/>
           </a:xfrm>
           <a:prstGeom prst="ellipse">
@@ -24090,7 +23497,7 @@
         </p:nvSpPr>
         <p:spPr>
           <a:xfrm rot="5400000">
-            <a:off x="3240000" y="2880000"/>
+            <a:off x="2880000" y="2159999"/>
             <a:ext cx="108000" cy="108000"/>
           </a:xfrm>
           <a:prstGeom prst="ellipse">
@@ -24159,7 +23566,7 @@
         </p:nvSpPr>
         <p:spPr>
           <a:xfrm rot="5400000">
-            <a:off x="3060000" y="3240000"/>
+            <a:off x="2700000" y="2519999"/>
             <a:ext cx="108000" cy="108000"/>
           </a:xfrm>
           <a:prstGeom prst="ellipse">
@@ -24223,7 +23630,7 @@
         </p:nvSpPr>
         <p:spPr>
           <a:xfrm>
-            <a:off x="3960000" y="4680000"/>
+            <a:off x="3600000" y="3959999"/>
             <a:ext cx="108000" cy="108000"/>
           </a:xfrm>
           <a:prstGeom prst="ellipse">
@@ -24263,6 +23670,443 @@
           </a:p>
         </p:txBody>
       </p:sp>
+      <p:sp>
+        <p:nvSpPr>
+          <p:cNvPr id="43" name="TextBox 42">
+            <a:extLst>
+              <a:ext uri="{FF2B5EF4-FFF2-40B4-BE49-F238E27FC236}">
+                <a16:creationId xmlns:a16="http://schemas.microsoft.com/office/drawing/2014/main" id="{B90FD360-BC19-303E-F3E9-4066FD699355}"/>
+              </a:ext>
+            </a:extLst>
+          </p:cNvPr>
+          <p:cNvSpPr txBox="1"/>
+          <p:nvPr/>
+        </p:nvSpPr>
+        <p:spPr>
+          <a:xfrm>
+            <a:off x="927483" y="4472767"/>
+            <a:ext cx="1991400" cy="2092881"/>
+          </a:xfrm>
+          <a:prstGeom prst="rect">
+            <a:avLst/>
+          </a:prstGeom>
+          <a:noFill/>
+        </p:spPr>
+        <p:txBody>
+          <a:bodyPr wrap="square" lIns="72000" rIns="72000" rtlCol="0">
+            <a:spAutoFit/>
+          </a:bodyPr>
+          <a:lstStyle/>
+          <a:p>
+            <a:r>
+              <a:rPr lang="it-IT" altLang="ko-KR" sz="1000">
+                <a:latin typeface="Consolas" panose="020B0609020204030204" pitchFamily="49" charset="0"/>
+              </a:rPr>
+              <a:t>#define LORA_POWER   4</a:t>
+            </a:r>
+          </a:p>
+          <a:p>
+            <a:r>
+              <a:rPr lang="it-IT" altLang="ko-KR" sz="1000" dirty="0">
+                <a:latin typeface="Consolas" panose="020B0609020204030204" pitchFamily="49" charset="0"/>
+              </a:rPr>
+              <a:t>#define LORA_MOSI    5</a:t>
+            </a:r>
+          </a:p>
+          <a:p>
+            <a:r>
+              <a:rPr lang="it-IT" altLang="ko-KR" sz="1000" dirty="0">
+                <a:latin typeface="Consolas" panose="020B0609020204030204" pitchFamily="49" charset="0"/>
+              </a:rPr>
+              <a:t>#define LORA_SS      6</a:t>
+            </a:r>
+          </a:p>
+          <a:p>
+            <a:r>
+              <a:rPr lang="it-IT" altLang="ko-KR" sz="1000" dirty="0">
+                <a:latin typeface="Consolas" panose="020B0609020204030204" pitchFamily="49" charset="0"/>
+              </a:rPr>
+              <a:t>#define LORA_MISO    7</a:t>
+            </a:r>
+          </a:p>
+          <a:p>
+            <a:r>
+              <a:rPr lang="it-IT" altLang="ko-KR" sz="1000" dirty="0">
+                <a:latin typeface="Consolas" panose="020B0609020204030204" pitchFamily="49" charset="0"/>
+              </a:rPr>
+              <a:t>#define LORA_SCK     9</a:t>
+            </a:r>
+          </a:p>
+          <a:p>
+            <a:r>
+              <a:rPr lang="it-IT" altLang="ko-KR" sz="1000" dirty="0">
+                <a:latin typeface="Consolas" panose="020B0609020204030204" pitchFamily="49" charset="0"/>
+              </a:rPr>
+              <a:t>#define LORA_RST     10</a:t>
+            </a:r>
+          </a:p>
+          <a:p>
+            <a:endParaRPr lang="it-IT" altLang="ko-KR" sz="1000" dirty="0">
+              <a:latin typeface="Consolas" panose="020B0609020204030204" pitchFamily="49" charset="0"/>
+            </a:endParaRPr>
+          </a:p>
+          <a:p>
+            <a:r>
+              <a:rPr lang="it-IT" altLang="ko-KR" sz="1000" dirty="0">
+                <a:latin typeface="Consolas" panose="020B0609020204030204" pitchFamily="49" charset="0"/>
+              </a:rPr>
+              <a:t>#define I2C_SCL      2</a:t>
+            </a:r>
+          </a:p>
+          <a:p>
+            <a:r>
+              <a:rPr lang="it-IT" altLang="ko-KR" sz="1000" dirty="0">
+                <a:latin typeface="Consolas" panose="020B0609020204030204" pitchFamily="49" charset="0"/>
+              </a:rPr>
+              <a:t>#define I2C_SDA      1</a:t>
+            </a:r>
+          </a:p>
+          <a:p>
+            <a:endParaRPr lang="it-IT" altLang="ko-KR" sz="1000" dirty="0">
+              <a:latin typeface="Consolas" panose="020B0609020204030204" pitchFamily="49" charset="0"/>
+            </a:endParaRPr>
+          </a:p>
+          <a:p>
+            <a:r>
+              <a:rPr lang="it-IT" altLang="ko-KR" sz="1000" dirty="0">
+                <a:latin typeface="Consolas" panose="020B0609020204030204" pitchFamily="49" charset="0"/>
+              </a:rPr>
+              <a:t>#define PIN_ADC      0</a:t>
+            </a:r>
+          </a:p>
+          <a:p>
+            <a:r>
+              <a:rPr lang="it-IT" altLang="ko-KR" sz="1000" dirty="0">
+                <a:latin typeface="Consolas" panose="020B0609020204030204" pitchFamily="49" charset="0"/>
+              </a:rPr>
+              <a:t>#define PIN_LED      8</a:t>
+            </a:r>
+          </a:p>
+          <a:p>
+            <a:r>
+              <a:rPr lang="it-IT" altLang="ko-KR" sz="1000" dirty="0">
+                <a:latin typeface="Consolas" panose="020B0609020204030204" pitchFamily="49" charset="0"/>
+              </a:rPr>
+              <a:t>#define PIN_UNUSED   3</a:t>
+            </a:r>
+          </a:p>
+        </p:txBody>
+      </p:sp>
+      <p:grpSp>
+        <p:nvGrpSpPr>
+          <p:cNvPr id="90" name="그룹 89">
+            <a:extLst>
+              <a:ext uri="{FF2B5EF4-FFF2-40B4-BE49-F238E27FC236}">
+                <a16:creationId xmlns:a16="http://schemas.microsoft.com/office/drawing/2014/main" id="{7BDFC276-4F58-83F6-FBB1-8C5939EAD190}"/>
+              </a:ext>
+            </a:extLst>
+          </p:cNvPr>
+          <p:cNvGrpSpPr/>
+          <p:nvPr/>
+        </p:nvGrpSpPr>
+        <p:grpSpPr>
+          <a:xfrm>
+            <a:off x="3240000" y="2158412"/>
+            <a:ext cx="1008000" cy="864000"/>
+            <a:chOff x="3625763" y="4298362"/>
+            <a:chExt cx="1008000" cy="864000"/>
+          </a:xfrm>
+        </p:grpSpPr>
+        <p:sp>
+          <p:nvSpPr>
+            <p:cNvPr id="609" name="사각형: 둥근 모서리 608">
+              <a:extLst>
+                <a:ext uri="{FF2B5EF4-FFF2-40B4-BE49-F238E27FC236}">
+                  <a16:creationId xmlns:a16="http://schemas.microsoft.com/office/drawing/2014/main" id="{BF660E92-FABD-7AA5-2E45-3A8D02C8E7F5}"/>
+                </a:ext>
+              </a:extLst>
+            </p:cNvPr>
+            <p:cNvSpPr/>
+            <p:nvPr/>
+          </p:nvSpPr>
+          <p:spPr>
+            <a:xfrm>
+              <a:off x="3769761" y="4982362"/>
+              <a:ext cx="540000" cy="180000"/>
+            </a:xfrm>
+            <a:prstGeom prst="roundRect">
+              <a:avLst>
+                <a:gd name="adj" fmla="val 50000"/>
+              </a:avLst>
+            </a:prstGeom>
+            <a:solidFill>
+              <a:schemeClr val="accent4">
+                <a:lumMod val="50000"/>
+                <a:alpha val="38000"/>
+              </a:schemeClr>
+            </a:solidFill>
+            <a:ln w="25400">
+              <a:solidFill>
+                <a:schemeClr val="accent4">
+                  <a:lumMod val="50000"/>
+                </a:schemeClr>
+              </a:solidFill>
+            </a:ln>
+          </p:spPr>
+          <p:style>
+            <a:lnRef idx="2">
+              <a:schemeClr val="accent1">
+                <a:shade val="15000"/>
+              </a:schemeClr>
+            </a:lnRef>
+            <a:fillRef idx="1">
+              <a:schemeClr val="accent1"/>
+            </a:fillRef>
+            <a:effectRef idx="0">
+              <a:schemeClr val="accent1"/>
+            </a:effectRef>
+            <a:fontRef idx="minor">
+              <a:schemeClr val="lt1"/>
+            </a:fontRef>
+          </p:style>
+          <p:txBody>
+            <a:bodyPr lIns="36000" rIns="36000" rtlCol="0" anchor="ctr"/>
+            <a:lstStyle/>
+            <a:p>
+              <a:pPr algn="ctr"/>
+              <a:r>
+                <a:rPr lang="fr-FR" altLang="ko-KR" sz="1200" dirty="0">
+                  <a:solidFill>
+                    <a:schemeClr val="bg1"/>
+                  </a:solidFill>
+                  <a:latin typeface="Calibri" panose="020F0502020204030204" pitchFamily="34" charset="0"/>
+                  <a:ea typeface="Calibri" panose="020F0502020204030204" pitchFamily="34" charset="0"/>
+                  <a:cs typeface="Calibri" panose="020F0502020204030204" pitchFamily="34" charset="0"/>
+                </a:rPr>
+                <a:t>10K</a:t>
+              </a:r>
+              <a:endParaRPr lang="ko-KR" altLang="en-US" sz="1200" dirty="0">
+                <a:solidFill>
+                  <a:schemeClr val="bg1"/>
+                </a:solidFill>
+                <a:latin typeface="Calibri" panose="020F0502020204030204" pitchFamily="34" charset="0"/>
+                <a:cs typeface="Calibri" panose="020F0502020204030204" pitchFamily="34" charset="0"/>
+              </a:endParaRPr>
+            </a:p>
+          </p:txBody>
+        </p:sp>
+        <p:sp>
+          <p:nvSpPr>
+            <p:cNvPr id="610" name="타원 609">
+              <a:extLst>
+                <a:ext uri="{FF2B5EF4-FFF2-40B4-BE49-F238E27FC236}">
+                  <a16:creationId xmlns:a16="http://schemas.microsoft.com/office/drawing/2014/main" id="{CB7E7939-E3C3-842B-AABA-C4AB222D199A}"/>
+                </a:ext>
+              </a:extLst>
+            </p:cNvPr>
+            <p:cNvSpPr/>
+            <p:nvPr/>
+          </p:nvSpPr>
+          <p:spPr>
+            <a:xfrm rot="16200000">
+              <a:off x="4525763" y="5018360"/>
+              <a:ext cx="108000" cy="108000"/>
+            </a:xfrm>
+            <a:prstGeom prst="ellipse">
+              <a:avLst/>
+            </a:prstGeom>
+            <a:noFill/>
+            <a:ln w="25400">
+              <a:solidFill>
+                <a:schemeClr val="accent4">
+                  <a:lumMod val="50000"/>
+                </a:schemeClr>
+              </a:solidFill>
+            </a:ln>
+          </p:spPr>
+          <p:style>
+            <a:lnRef idx="2">
+              <a:schemeClr val="accent1">
+                <a:shade val="15000"/>
+              </a:schemeClr>
+            </a:lnRef>
+            <a:fillRef idx="1">
+              <a:schemeClr val="accent1"/>
+            </a:fillRef>
+            <a:effectRef idx="0">
+              <a:schemeClr val="accent1"/>
+            </a:effectRef>
+            <a:fontRef idx="minor">
+              <a:schemeClr val="lt1"/>
+            </a:fontRef>
+          </p:style>
+          <p:txBody>
+            <a:bodyPr rtlCol="0" anchor="ctr"/>
+            <a:lstStyle/>
+            <a:p>
+              <a:pPr algn="ctr"/>
+              <a:endParaRPr lang="ko-KR" altLang="en-US" sz="1600" dirty="0"/>
+            </a:p>
+          </p:txBody>
+        </p:sp>
+        <p:sp>
+          <p:nvSpPr>
+            <p:cNvPr id="611" name="타원 610">
+              <a:extLst>
+                <a:ext uri="{FF2B5EF4-FFF2-40B4-BE49-F238E27FC236}">
+                  <a16:creationId xmlns:a16="http://schemas.microsoft.com/office/drawing/2014/main" id="{8EC466C7-D871-26D9-490B-FA484FD594C6}"/>
+                </a:ext>
+              </a:extLst>
+            </p:cNvPr>
+            <p:cNvSpPr/>
+            <p:nvPr/>
+          </p:nvSpPr>
+          <p:spPr>
+            <a:xfrm rot="16200000">
+              <a:off x="3625763" y="4298362"/>
+              <a:ext cx="108000" cy="108000"/>
+            </a:xfrm>
+            <a:prstGeom prst="ellipse">
+              <a:avLst/>
+            </a:prstGeom>
+            <a:noFill/>
+            <a:ln w="25400">
+              <a:solidFill>
+                <a:schemeClr val="accent4">
+                  <a:lumMod val="50000"/>
+                </a:schemeClr>
+              </a:solidFill>
+            </a:ln>
+          </p:spPr>
+          <p:style>
+            <a:lnRef idx="2">
+              <a:schemeClr val="accent1">
+                <a:shade val="15000"/>
+              </a:schemeClr>
+            </a:lnRef>
+            <a:fillRef idx="1">
+              <a:schemeClr val="accent1"/>
+            </a:fillRef>
+            <a:effectRef idx="0">
+              <a:schemeClr val="accent1"/>
+            </a:effectRef>
+            <a:fontRef idx="minor">
+              <a:schemeClr val="lt1"/>
+            </a:fontRef>
+          </p:style>
+          <p:txBody>
+            <a:bodyPr rtlCol="0" anchor="ctr"/>
+            <a:lstStyle/>
+            <a:p>
+              <a:pPr algn="ctr"/>
+              <a:r>
+                <a:rPr lang="fr-FR" altLang="ko-KR" sz="600" b="1" dirty="0">
+                  <a:solidFill>
+                    <a:schemeClr val="tx1"/>
+                  </a:solidFill>
+                  <a:latin typeface="Cambria" panose="02040503050406030204" pitchFamily="18" charset="0"/>
+                  <a:ea typeface="Cambria" panose="02040503050406030204" pitchFamily="18" charset="0"/>
+                </a:rPr>
+                <a:t>S</a:t>
+              </a:r>
+              <a:endParaRPr lang="ko-KR" altLang="en-US" sz="1600" dirty="0"/>
+            </a:p>
+          </p:txBody>
+        </p:sp>
+        <p:cxnSp>
+          <p:nvCxnSpPr>
+            <p:cNvPr id="613" name="직선 연결선 612">
+              <a:extLst>
+                <a:ext uri="{FF2B5EF4-FFF2-40B4-BE49-F238E27FC236}">
+                  <a16:creationId xmlns:a16="http://schemas.microsoft.com/office/drawing/2014/main" id="{560FCA52-CAF9-597A-35B1-B128161BEA35}"/>
+                </a:ext>
+              </a:extLst>
+            </p:cNvPr>
+            <p:cNvCxnSpPr>
+              <a:cxnSpLocks/>
+              <a:stCxn id="610" idx="0"/>
+              <a:endCxn id="609" idx="3"/>
+            </p:cNvCxnSpPr>
+            <p:nvPr/>
+          </p:nvCxnSpPr>
+          <p:spPr>
+            <a:xfrm flipH="1">
+              <a:off x="4309761" y="5072360"/>
+              <a:ext cx="216002" cy="2"/>
+            </a:xfrm>
+            <a:prstGeom prst="line">
+              <a:avLst/>
+            </a:prstGeom>
+            <a:ln w="25400">
+              <a:solidFill>
+                <a:schemeClr val="accent4">
+                  <a:lumMod val="50000"/>
+                </a:schemeClr>
+              </a:solidFill>
+            </a:ln>
+          </p:spPr>
+          <p:style>
+            <a:lnRef idx="1">
+              <a:schemeClr val="accent1"/>
+            </a:lnRef>
+            <a:fillRef idx="0">
+              <a:schemeClr val="accent1"/>
+            </a:fillRef>
+            <a:effectRef idx="0">
+              <a:schemeClr val="accent1"/>
+            </a:effectRef>
+            <a:fontRef idx="minor">
+              <a:schemeClr val="tx1"/>
+            </a:fontRef>
+          </p:style>
+        </p:cxnSp>
+        <p:cxnSp>
+          <p:nvCxnSpPr>
+            <p:cNvPr id="89" name="연결선: 구부러짐 88">
+              <a:extLst>
+                <a:ext uri="{FF2B5EF4-FFF2-40B4-BE49-F238E27FC236}">
+                  <a16:creationId xmlns:a16="http://schemas.microsoft.com/office/drawing/2014/main" id="{3643A95C-1258-A986-3BB0-C4E8783BA46E}"/>
+                </a:ext>
+              </a:extLst>
+            </p:cNvPr>
+            <p:cNvCxnSpPr>
+              <a:stCxn id="611" idx="2"/>
+              <a:endCxn id="609" idx="1"/>
+            </p:cNvCxnSpPr>
+            <p:nvPr/>
+          </p:nvCxnSpPr>
+          <p:spPr>
+            <a:xfrm rot="16200000" flipH="1">
+              <a:off x="3391762" y="4694363"/>
+              <a:ext cx="666000" cy="89998"/>
+            </a:xfrm>
+            <a:prstGeom prst="curvedConnector2">
+              <a:avLst/>
+            </a:prstGeom>
+            <a:ln w="25400">
+              <a:solidFill>
+                <a:schemeClr val="accent4">
+                  <a:lumMod val="50000"/>
+                </a:schemeClr>
+              </a:solidFill>
+            </a:ln>
+          </p:spPr>
+          <p:style>
+            <a:lnRef idx="1">
+              <a:schemeClr val="accent1"/>
+            </a:lnRef>
+            <a:fillRef idx="0">
+              <a:schemeClr val="accent1"/>
+            </a:fillRef>
+            <a:effectRef idx="0">
+              <a:schemeClr val="accent1"/>
+            </a:effectRef>
+            <a:fontRef idx="minor">
+              <a:schemeClr val="tx1"/>
+            </a:fontRef>
+          </p:style>
+        </p:cxnSp>
+      </p:grpSp>
     </p:spTree>
     <p:extLst>
       <p:ext uri="{BB962C8B-B14F-4D97-AF65-F5344CB8AC3E}">

--- a/CellLora/CellLora.pptx
+++ b/CellLora/CellLora.pptx
@@ -2997,7 +2997,7 @@
         <p:spPr>
           <a:xfrm>
             <a:off x="5400000" y="540000"/>
-            <a:ext cx="4320000" cy="5170646"/>
+            <a:ext cx="4320000" cy="5339923"/>
           </a:xfrm>
           <a:prstGeom prst="rect">
             <a:avLst/>
@@ -3203,7 +3203,7 @@
             </a:pPr>
             <a:r>
               <a:rPr lang="en-US" altLang="ko-KR" sz="1100" dirty="0"/>
-              <a:t>Black wire from M to N is topside, at N fold toward O-S and solder</a:t>
+              <a:t>Braid 2 black wire at N from topside, at N fold toward O-S and solder</a:t>
             </a:r>
           </a:p>
           <a:p>
@@ -3242,6 +3242,15 @@
             <a:r>
               <a:rPr lang="en-US" altLang="ko-KR" sz="1100" dirty="0"/>
               <a:t>LoRa VCC and GND are pass-through from underside to Buck module</a:t>
+            </a:r>
+          </a:p>
+          <a:p>
+            <a:pPr marL="228600" indent="-228600">
+              <a:buAutoNum type="arabicPeriod"/>
+            </a:pPr>
+            <a:r>
+              <a:rPr lang="en-US" altLang="ko-KR" sz="1100" dirty="0"/>
+              <a:t>Solder 1 wire from N through Y to M, the other topside to Z</a:t>
             </a:r>
           </a:p>
           <a:p>
@@ -23134,7 +23143,17 @@
             <a:lstStyle/>
             <a:p>
               <a:pPr algn="ctr"/>
-              <a:endParaRPr lang="ko-KR" altLang="en-US" sz="1801"/>
+              <a:r>
+                <a:rPr lang="fr-FR" altLang="ko-KR" sz="600" b="1" dirty="0">
+                  <a:solidFill>
+                    <a:schemeClr val="tx1"/>
+                  </a:solidFill>
+                  <a:latin typeface="Cambria" panose="02040503050406030204" pitchFamily="18" charset="0"/>
+                  <a:ea typeface="Cambria" panose="02040503050406030204" pitchFamily="18" charset="0"/>
+                </a:rPr>
+                <a:t>Z</a:t>
+              </a:r>
+              <a:endParaRPr lang="ko-KR" altLang="en-US" sz="1600" dirty="0"/>
             </a:p>
           </p:txBody>
         </p:sp>
@@ -23666,7 +23685,17 @@
           <a:lstStyle/>
           <a:p>
             <a:pPr algn="ctr"/>
-            <a:endParaRPr lang="ko-KR" altLang="en-US" sz="1801" dirty="0"/>
+            <a:r>
+              <a:rPr lang="fr-FR" altLang="ko-KR" sz="600" b="1" dirty="0">
+                <a:solidFill>
+                  <a:schemeClr val="tx1"/>
+                </a:solidFill>
+                <a:latin typeface="Cambria" panose="02040503050406030204" pitchFamily="18" charset="0"/>
+                <a:ea typeface="Cambria" panose="02040503050406030204" pitchFamily="18" charset="0"/>
+              </a:rPr>
+              <a:t>Y</a:t>
+            </a:r>
+            <a:endParaRPr lang="ko-KR" altLang="en-US" sz="1600" dirty="0"/>
           </a:p>
         </p:txBody>
       </p:sp>
@@ -23699,7 +23728,7 @@
           <a:lstStyle/>
           <a:p>
             <a:r>
-              <a:rPr lang="it-IT" altLang="ko-KR" sz="1000">
+              <a:rPr lang="it-IT" altLang="ko-KR" sz="1000" dirty="0">
                 <a:latin typeface="Consolas" panose="020B0609020204030204" pitchFamily="49" charset="0"/>
               </a:rPr>
               <a:t>#define LORA_POWER   4</a:t>
@@ -24107,6 +24136,51 @@
           </p:style>
         </p:cxnSp>
       </p:grpSp>
+      <p:cxnSp>
+        <p:nvCxnSpPr>
+          <p:cNvPr id="128" name="연결선: 구부러짐 127">
+            <a:extLst>
+              <a:ext uri="{FF2B5EF4-FFF2-40B4-BE49-F238E27FC236}">
+                <a16:creationId xmlns:a16="http://schemas.microsoft.com/office/drawing/2014/main" id="{9858C808-7D83-3143-8100-7BA494D8453F}"/>
+              </a:ext>
+            </a:extLst>
+          </p:cNvPr>
+          <p:cNvCxnSpPr>
+            <a:cxnSpLocks/>
+            <a:stCxn id="268" idx="4"/>
+            <a:endCxn id="23" idx="0"/>
+          </p:cNvCxnSpPr>
+          <p:nvPr/>
+        </p:nvCxnSpPr>
+        <p:spPr>
+          <a:xfrm rot="5400000">
+            <a:off x="1908667" y="2808666"/>
+            <a:ext cx="1384666" cy="666000"/>
+          </a:xfrm>
+          <a:prstGeom prst="curvedConnector2">
+            <a:avLst/>
+          </a:prstGeom>
+          <a:ln w="25400">
+            <a:solidFill>
+              <a:schemeClr val="tx1"/>
+            </a:solidFill>
+          </a:ln>
+        </p:spPr>
+        <p:style>
+          <a:lnRef idx="1">
+            <a:schemeClr val="accent1"/>
+          </a:lnRef>
+          <a:fillRef idx="0">
+            <a:schemeClr val="accent1"/>
+          </a:fillRef>
+          <a:effectRef idx="0">
+            <a:schemeClr val="accent1"/>
+          </a:effectRef>
+          <a:fontRef idx="minor">
+            <a:schemeClr val="tx1"/>
+          </a:fontRef>
+        </p:style>
+      </p:cxnSp>
     </p:spTree>
     <p:extLst>
       <p:ext uri="{BB962C8B-B14F-4D97-AF65-F5344CB8AC3E}">
